--- a/oral_projet/diaporama_revue_1_steven.pptx
+++ b/oral_projet/diaporama_revue_1_steven.pptx
@@ -688,14 +688,14 @@
   <p:clrMapOvr>
     <a:masterClrMapping/>
   </p:clrMapOvr>
-  <mc:AlternateContent xmlns:mc="http://schemas.openxmlformats.org/markup-compatibility/2006" xmlns:p14="http://schemas.microsoft.com/office/powerpoint/2010/main">
-    <mc:Choice Requires="p14">
-      <p:transition spd="slow" advClick="0" advTm="1000">
+  <mc:AlternateContent xmlns:mc="http://schemas.openxmlformats.org/markup-compatibility/2006">
+    <mc:Choice xmlns:p14="http://schemas.microsoft.com/office/powerpoint/2010/main" Requires="p14">
+      <p:transition spd="slow">
         <p14:reveal/>
       </p:transition>
     </mc:Choice>
-    <mc:Fallback xmlns="">
-      <p:transition spd="slow" advClick="0" advTm="1000">
+    <mc:Fallback>
+      <p:transition spd="slow">
         <p:fade/>
       </p:transition>
     </mc:Fallback>
@@ -898,14 +898,14 @@
   <p:clrMapOvr>
     <a:masterClrMapping/>
   </p:clrMapOvr>
-  <mc:AlternateContent xmlns:mc="http://schemas.openxmlformats.org/markup-compatibility/2006" xmlns:p14="http://schemas.microsoft.com/office/powerpoint/2010/main">
-    <mc:Choice Requires="p14">
-      <p:transition spd="slow" advClick="0" advTm="1000">
+  <mc:AlternateContent xmlns:mc="http://schemas.openxmlformats.org/markup-compatibility/2006">
+    <mc:Choice xmlns:p14="http://schemas.microsoft.com/office/powerpoint/2010/main" Requires="p14">
+      <p:transition spd="slow">
         <p14:reveal/>
       </p:transition>
     </mc:Choice>
-    <mc:Fallback xmlns="">
-      <p:transition spd="slow" advClick="0" advTm="1000">
+    <mc:Fallback>
+      <p:transition spd="slow">
         <p:fade/>
       </p:transition>
     </mc:Fallback>
@@ -1118,14 +1118,14 @@
   <p:clrMapOvr>
     <a:masterClrMapping/>
   </p:clrMapOvr>
-  <mc:AlternateContent xmlns:mc="http://schemas.openxmlformats.org/markup-compatibility/2006" xmlns:p14="http://schemas.microsoft.com/office/powerpoint/2010/main">
-    <mc:Choice Requires="p14">
-      <p:transition spd="slow" advClick="0" advTm="1000">
+  <mc:AlternateContent xmlns:mc="http://schemas.openxmlformats.org/markup-compatibility/2006">
+    <mc:Choice xmlns:p14="http://schemas.microsoft.com/office/powerpoint/2010/main" Requires="p14">
+      <p:transition spd="slow">
         <p14:reveal/>
       </p:transition>
     </mc:Choice>
-    <mc:Fallback xmlns="">
-      <p:transition spd="slow" advClick="0" advTm="1000">
+    <mc:Fallback>
+      <p:transition spd="slow">
         <p:fade/>
       </p:transition>
     </mc:Fallback>
@@ -1328,14 +1328,14 @@
   <p:clrMapOvr>
     <a:masterClrMapping/>
   </p:clrMapOvr>
-  <mc:AlternateContent xmlns:mc="http://schemas.openxmlformats.org/markup-compatibility/2006" xmlns:p14="http://schemas.microsoft.com/office/powerpoint/2010/main">
-    <mc:Choice Requires="p14">
-      <p:transition spd="slow" advClick="0" advTm="1000">
+  <mc:AlternateContent xmlns:mc="http://schemas.openxmlformats.org/markup-compatibility/2006">
+    <mc:Choice xmlns:p14="http://schemas.microsoft.com/office/powerpoint/2010/main" Requires="p14">
+      <p:transition spd="slow">
         <p14:reveal/>
       </p:transition>
     </mc:Choice>
-    <mc:Fallback xmlns="">
-      <p:transition spd="slow" advClick="0" advTm="1000">
+    <mc:Fallback>
+      <p:transition spd="slow">
         <p:fade/>
       </p:transition>
     </mc:Fallback>
@@ -1615,14 +1615,14 @@
   <p:clrMapOvr>
     <a:masterClrMapping/>
   </p:clrMapOvr>
-  <mc:AlternateContent xmlns:mc="http://schemas.openxmlformats.org/markup-compatibility/2006" xmlns:p14="http://schemas.microsoft.com/office/powerpoint/2010/main">
-    <mc:Choice Requires="p14">
-      <p:transition spd="slow" advClick="0" advTm="1000">
+  <mc:AlternateContent xmlns:mc="http://schemas.openxmlformats.org/markup-compatibility/2006">
+    <mc:Choice xmlns:p14="http://schemas.microsoft.com/office/powerpoint/2010/main" Requires="p14">
+      <p:transition spd="slow">
         <p14:reveal/>
       </p:transition>
     </mc:Choice>
-    <mc:Fallback xmlns="">
-      <p:transition spd="slow" advClick="0" advTm="1000">
+    <mc:Fallback>
+      <p:transition spd="slow">
         <p:fade/>
       </p:transition>
     </mc:Fallback>
@@ -1892,14 +1892,14 @@
   <p:clrMapOvr>
     <a:masterClrMapping/>
   </p:clrMapOvr>
-  <mc:AlternateContent xmlns:mc="http://schemas.openxmlformats.org/markup-compatibility/2006" xmlns:p14="http://schemas.microsoft.com/office/powerpoint/2010/main">
-    <mc:Choice Requires="p14">
-      <p:transition spd="slow" advClick="0" advTm="1000">
+  <mc:AlternateContent xmlns:mc="http://schemas.openxmlformats.org/markup-compatibility/2006">
+    <mc:Choice xmlns:p14="http://schemas.microsoft.com/office/powerpoint/2010/main" Requires="p14">
+      <p:transition spd="slow">
         <p14:reveal/>
       </p:transition>
     </mc:Choice>
-    <mc:Fallback xmlns="">
-      <p:transition spd="slow" advClick="0" advTm="1000">
+    <mc:Fallback>
+      <p:transition spd="slow">
         <p:fade/>
       </p:transition>
     </mc:Fallback>
@@ -2316,14 +2316,14 @@
   <p:clrMapOvr>
     <a:masterClrMapping/>
   </p:clrMapOvr>
-  <mc:AlternateContent xmlns:mc="http://schemas.openxmlformats.org/markup-compatibility/2006" xmlns:p14="http://schemas.microsoft.com/office/powerpoint/2010/main">
-    <mc:Choice Requires="p14">
-      <p:transition spd="slow" advClick="0" advTm="1000">
+  <mc:AlternateContent xmlns:mc="http://schemas.openxmlformats.org/markup-compatibility/2006">
+    <mc:Choice xmlns:p14="http://schemas.microsoft.com/office/powerpoint/2010/main" Requires="p14">
+      <p:transition spd="slow">
         <p14:reveal/>
       </p:transition>
     </mc:Choice>
-    <mc:Fallback xmlns="">
-      <p:transition spd="slow" advClick="0" advTm="1000">
+    <mc:Fallback>
+      <p:transition spd="slow">
         <p:fade/>
       </p:transition>
     </mc:Fallback>
@@ -2469,14 +2469,14 @@
   <p:clrMapOvr>
     <a:masterClrMapping/>
   </p:clrMapOvr>
-  <mc:AlternateContent xmlns:mc="http://schemas.openxmlformats.org/markup-compatibility/2006" xmlns:p14="http://schemas.microsoft.com/office/powerpoint/2010/main">
-    <mc:Choice Requires="p14">
-      <p:transition spd="slow" advClick="0" advTm="1000">
+  <mc:AlternateContent xmlns:mc="http://schemas.openxmlformats.org/markup-compatibility/2006">
+    <mc:Choice xmlns:p14="http://schemas.microsoft.com/office/powerpoint/2010/main" Requires="p14">
+      <p:transition spd="slow">
         <p14:reveal/>
       </p:transition>
     </mc:Choice>
-    <mc:Fallback xmlns="">
-      <p:transition spd="slow" advClick="0" advTm="1000">
+    <mc:Fallback>
+      <p:transition spd="slow">
         <p:fade/>
       </p:transition>
     </mc:Fallback>
@@ -2594,14 +2594,14 @@
   <p:clrMapOvr>
     <a:masterClrMapping/>
   </p:clrMapOvr>
-  <mc:AlternateContent xmlns:mc="http://schemas.openxmlformats.org/markup-compatibility/2006" xmlns:p14="http://schemas.microsoft.com/office/powerpoint/2010/main">
-    <mc:Choice Requires="p14">
-      <p:transition spd="slow" advClick="0" advTm="1000">
+  <mc:AlternateContent xmlns:mc="http://schemas.openxmlformats.org/markup-compatibility/2006">
+    <mc:Choice xmlns:p14="http://schemas.microsoft.com/office/powerpoint/2010/main" Requires="p14">
+      <p:transition spd="slow">
         <p14:reveal/>
       </p:transition>
     </mc:Choice>
-    <mc:Fallback xmlns="">
-      <p:transition spd="slow" advClick="0" advTm="1000">
+    <mc:Fallback>
+      <p:transition spd="slow">
         <p:fade/>
       </p:transition>
     </mc:Fallback>
@@ -2917,14 +2917,14 @@
   <p:clrMapOvr>
     <a:masterClrMapping/>
   </p:clrMapOvr>
-  <mc:AlternateContent xmlns:mc="http://schemas.openxmlformats.org/markup-compatibility/2006" xmlns:p14="http://schemas.microsoft.com/office/powerpoint/2010/main">
-    <mc:Choice Requires="p14">
-      <p:transition spd="slow" advClick="0" advTm="1000">
+  <mc:AlternateContent xmlns:mc="http://schemas.openxmlformats.org/markup-compatibility/2006">
+    <mc:Choice xmlns:p14="http://schemas.microsoft.com/office/powerpoint/2010/main" Requires="p14">
+      <p:transition spd="slow">
         <p14:reveal/>
       </p:transition>
     </mc:Choice>
-    <mc:Fallback xmlns="">
-      <p:transition spd="slow" advClick="0" advTm="1000">
+    <mc:Fallback>
+      <p:transition spd="slow">
         <p:fade/>
       </p:transition>
     </mc:Fallback>
@@ -3217,14 +3217,14 @@
   <p:clrMapOvr>
     <a:masterClrMapping/>
   </p:clrMapOvr>
-  <mc:AlternateContent xmlns:mc="http://schemas.openxmlformats.org/markup-compatibility/2006" xmlns:p14="http://schemas.microsoft.com/office/powerpoint/2010/main">
-    <mc:Choice Requires="p14">
-      <p:transition spd="slow" advClick="0" advTm="1000">
+  <mc:AlternateContent xmlns:mc="http://schemas.openxmlformats.org/markup-compatibility/2006">
+    <mc:Choice xmlns:p14="http://schemas.microsoft.com/office/powerpoint/2010/main" Requires="p14">
+      <p:transition spd="slow">
         <p14:reveal/>
       </p:transition>
     </mc:Choice>
-    <mc:Fallback xmlns="">
-      <p:transition spd="slow" advClick="0" advTm="1000">
+    <mc:Fallback>
+      <p:transition spd="slow">
         <p:fade/>
       </p:transition>
     </mc:Fallback>
@@ -3517,14 +3517,14 @@
     <p:sldLayoutId id="2147483658" r:id="rId10"/>
     <p:sldLayoutId id="2147483659" r:id="rId11"/>
   </p:sldLayoutIdLst>
-  <mc:AlternateContent xmlns:mc="http://schemas.openxmlformats.org/markup-compatibility/2006" xmlns:p14="http://schemas.microsoft.com/office/powerpoint/2010/main">
-    <mc:Choice Requires="p14">
-      <p:transition spd="slow" advClick="0" advTm="1000">
+  <mc:AlternateContent xmlns:mc="http://schemas.openxmlformats.org/markup-compatibility/2006">
+    <mc:Choice xmlns:p14="http://schemas.microsoft.com/office/powerpoint/2010/main" Requires="p14">
+      <p:transition spd="slow">
         <p14:reveal/>
       </p:transition>
     </mc:Choice>
-    <mc:Fallback xmlns="">
-      <p:transition spd="slow" advClick="0" advTm="1000">
+    <mc:Fallback>
+      <p:transition spd="slow">
         <p:fade/>
       </p:transition>
     </mc:Fallback>
@@ -4510,14 +4510,14 @@
   <p:clrMapOvr>
     <a:masterClrMapping/>
   </p:clrMapOvr>
-  <mc:AlternateContent xmlns:mc="http://schemas.openxmlformats.org/markup-compatibility/2006" xmlns:p14="http://schemas.microsoft.com/office/powerpoint/2010/main">
-    <mc:Choice Requires="p14">
-      <p:transition spd="slow" advClick="0" advTm="1000">
+  <mc:AlternateContent xmlns:mc="http://schemas.openxmlformats.org/markup-compatibility/2006">
+    <mc:Choice xmlns:p14="http://schemas.microsoft.com/office/powerpoint/2010/main" Requires="p14">
+      <p:transition spd="slow">
         <p14:reveal/>
       </p:transition>
     </mc:Choice>
-    <mc:Fallback xmlns="">
-      <p:transition spd="slow" advClick="0" advTm="1000">
+    <mc:Fallback>
+      <p:transition spd="slow">
         <p:fade/>
       </p:transition>
     </mc:Fallback>
@@ -5816,14 +5816,14 @@
   <p:clrMapOvr>
     <a:masterClrMapping/>
   </p:clrMapOvr>
-  <mc:AlternateContent xmlns:mc="http://schemas.openxmlformats.org/markup-compatibility/2006" xmlns:p14="http://schemas.microsoft.com/office/powerpoint/2010/main">
-    <mc:Choice Requires="p14">
-      <p:transition spd="slow" advClick="0" advTm="1000">
+  <mc:AlternateContent xmlns:mc="http://schemas.openxmlformats.org/markup-compatibility/2006">
+    <mc:Choice xmlns:p14="http://schemas.microsoft.com/office/powerpoint/2010/main" Requires="p14">
+      <p:transition spd="slow">
         <p14:reveal/>
       </p:transition>
     </mc:Choice>
-    <mc:Fallback xmlns="">
-      <p:transition spd="slow" advClick="0" advTm="1000">
+    <mc:Fallback>
+      <p:transition spd="slow">
         <p:fade/>
       </p:transition>
     </mc:Fallback>
@@ -6797,13 +6797,13 @@
   <p:clrMapOvr>
     <a:masterClrMapping/>
   </p:clrMapOvr>
-  <mc:AlternateContent xmlns:mc="http://schemas.openxmlformats.org/markup-compatibility/2006" xmlns:p14="http://schemas.microsoft.com/office/powerpoint/2010/main">
-    <mc:Choice Requires="p14">
+  <mc:AlternateContent xmlns:mc="http://schemas.openxmlformats.org/markup-compatibility/2006">
+    <mc:Choice xmlns:p14="http://schemas.microsoft.com/office/powerpoint/2010/main" Requires="p14">
       <p:transition spd="slow">
         <p14:reveal/>
       </p:transition>
     </mc:Choice>
-    <mc:Fallback xmlns="">
+    <mc:Fallback>
       <p:transition spd="slow">
         <p:fade/>
       </p:transition>
@@ -7617,14 +7617,14 @@
   <p:clrMapOvr>
     <a:masterClrMapping/>
   </p:clrMapOvr>
-  <mc:AlternateContent xmlns:mc="http://schemas.openxmlformats.org/markup-compatibility/2006" xmlns:p14="http://schemas.microsoft.com/office/powerpoint/2010/main">
-    <mc:Choice Requires="p14">
-      <p:transition spd="slow" advClick="0" advTm="1000">
+  <mc:AlternateContent xmlns:mc="http://schemas.openxmlformats.org/markup-compatibility/2006">
+    <mc:Choice xmlns:p14="http://schemas.microsoft.com/office/powerpoint/2010/main" Requires="p14">
+      <p:transition spd="slow">
         <p14:reveal/>
       </p:transition>
     </mc:Choice>
-    <mc:Fallback xmlns="">
-      <p:transition spd="slow" advClick="0" advTm="1000">
+    <mc:Fallback>
+      <p:transition spd="slow">
         <p:fade/>
       </p:transition>
     </mc:Fallback>

--- a/oral_projet/diaporama_revue_1_steven.pptx
+++ b/oral_projet/diaporama_revue_1_steven.pptx
@@ -688,13 +688,13 @@
   <p:clrMapOvr>
     <a:masterClrMapping/>
   </p:clrMapOvr>
-  <mc:AlternateContent xmlns:mc="http://schemas.openxmlformats.org/markup-compatibility/2006">
-    <mc:Choice xmlns:p14="http://schemas.microsoft.com/office/powerpoint/2010/main" Requires="p14">
+  <mc:AlternateContent xmlns:mc="http://schemas.openxmlformats.org/markup-compatibility/2006" xmlns:p14="http://schemas.microsoft.com/office/powerpoint/2010/main">
+    <mc:Choice Requires="p14">
       <p:transition spd="slow">
         <p14:reveal/>
       </p:transition>
     </mc:Choice>
-    <mc:Fallback>
+    <mc:Fallback xmlns="">
       <p:transition spd="slow">
         <p:fade/>
       </p:transition>
@@ -898,13 +898,13 @@
   <p:clrMapOvr>
     <a:masterClrMapping/>
   </p:clrMapOvr>
-  <mc:AlternateContent xmlns:mc="http://schemas.openxmlformats.org/markup-compatibility/2006">
-    <mc:Choice xmlns:p14="http://schemas.microsoft.com/office/powerpoint/2010/main" Requires="p14">
+  <mc:AlternateContent xmlns:mc="http://schemas.openxmlformats.org/markup-compatibility/2006" xmlns:p14="http://schemas.microsoft.com/office/powerpoint/2010/main">
+    <mc:Choice Requires="p14">
       <p:transition spd="slow">
         <p14:reveal/>
       </p:transition>
     </mc:Choice>
-    <mc:Fallback>
+    <mc:Fallback xmlns="">
       <p:transition spd="slow">
         <p:fade/>
       </p:transition>
@@ -1118,13 +1118,13 @@
   <p:clrMapOvr>
     <a:masterClrMapping/>
   </p:clrMapOvr>
-  <mc:AlternateContent xmlns:mc="http://schemas.openxmlformats.org/markup-compatibility/2006">
-    <mc:Choice xmlns:p14="http://schemas.microsoft.com/office/powerpoint/2010/main" Requires="p14">
+  <mc:AlternateContent xmlns:mc="http://schemas.openxmlformats.org/markup-compatibility/2006" xmlns:p14="http://schemas.microsoft.com/office/powerpoint/2010/main">
+    <mc:Choice Requires="p14">
       <p:transition spd="slow">
         <p14:reveal/>
       </p:transition>
     </mc:Choice>
-    <mc:Fallback>
+    <mc:Fallback xmlns="">
       <p:transition spd="slow">
         <p:fade/>
       </p:transition>
@@ -1328,13 +1328,13 @@
   <p:clrMapOvr>
     <a:masterClrMapping/>
   </p:clrMapOvr>
-  <mc:AlternateContent xmlns:mc="http://schemas.openxmlformats.org/markup-compatibility/2006">
-    <mc:Choice xmlns:p14="http://schemas.microsoft.com/office/powerpoint/2010/main" Requires="p14">
+  <mc:AlternateContent xmlns:mc="http://schemas.openxmlformats.org/markup-compatibility/2006" xmlns:p14="http://schemas.microsoft.com/office/powerpoint/2010/main">
+    <mc:Choice Requires="p14">
       <p:transition spd="slow">
         <p14:reveal/>
       </p:transition>
     </mc:Choice>
-    <mc:Fallback>
+    <mc:Fallback xmlns="">
       <p:transition spd="slow">
         <p:fade/>
       </p:transition>
@@ -1615,13 +1615,13 @@
   <p:clrMapOvr>
     <a:masterClrMapping/>
   </p:clrMapOvr>
-  <mc:AlternateContent xmlns:mc="http://schemas.openxmlformats.org/markup-compatibility/2006">
-    <mc:Choice xmlns:p14="http://schemas.microsoft.com/office/powerpoint/2010/main" Requires="p14">
+  <mc:AlternateContent xmlns:mc="http://schemas.openxmlformats.org/markup-compatibility/2006" xmlns:p14="http://schemas.microsoft.com/office/powerpoint/2010/main">
+    <mc:Choice Requires="p14">
       <p:transition spd="slow">
         <p14:reveal/>
       </p:transition>
     </mc:Choice>
-    <mc:Fallback>
+    <mc:Fallback xmlns="">
       <p:transition spd="slow">
         <p:fade/>
       </p:transition>
@@ -1892,13 +1892,13 @@
   <p:clrMapOvr>
     <a:masterClrMapping/>
   </p:clrMapOvr>
-  <mc:AlternateContent xmlns:mc="http://schemas.openxmlformats.org/markup-compatibility/2006">
-    <mc:Choice xmlns:p14="http://schemas.microsoft.com/office/powerpoint/2010/main" Requires="p14">
+  <mc:AlternateContent xmlns:mc="http://schemas.openxmlformats.org/markup-compatibility/2006" xmlns:p14="http://schemas.microsoft.com/office/powerpoint/2010/main">
+    <mc:Choice Requires="p14">
       <p:transition spd="slow">
         <p14:reveal/>
       </p:transition>
     </mc:Choice>
-    <mc:Fallback>
+    <mc:Fallback xmlns="">
       <p:transition spd="slow">
         <p:fade/>
       </p:transition>
@@ -2316,13 +2316,13 @@
   <p:clrMapOvr>
     <a:masterClrMapping/>
   </p:clrMapOvr>
-  <mc:AlternateContent xmlns:mc="http://schemas.openxmlformats.org/markup-compatibility/2006">
-    <mc:Choice xmlns:p14="http://schemas.microsoft.com/office/powerpoint/2010/main" Requires="p14">
+  <mc:AlternateContent xmlns:mc="http://schemas.openxmlformats.org/markup-compatibility/2006" xmlns:p14="http://schemas.microsoft.com/office/powerpoint/2010/main">
+    <mc:Choice Requires="p14">
       <p:transition spd="slow">
         <p14:reveal/>
       </p:transition>
     </mc:Choice>
-    <mc:Fallback>
+    <mc:Fallback xmlns="">
       <p:transition spd="slow">
         <p:fade/>
       </p:transition>
@@ -2469,13 +2469,13 @@
   <p:clrMapOvr>
     <a:masterClrMapping/>
   </p:clrMapOvr>
-  <mc:AlternateContent xmlns:mc="http://schemas.openxmlformats.org/markup-compatibility/2006">
-    <mc:Choice xmlns:p14="http://schemas.microsoft.com/office/powerpoint/2010/main" Requires="p14">
+  <mc:AlternateContent xmlns:mc="http://schemas.openxmlformats.org/markup-compatibility/2006" xmlns:p14="http://schemas.microsoft.com/office/powerpoint/2010/main">
+    <mc:Choice Requires="p14">
       <p:transition spd="slow">
         <p14:reveal/>
       </p:transition>
     </mc:Choice>
-    <mc:Fallback>
+    <mc:Fallback xmlns="">
       <p:transition spd="slow">
         <p:fade/>
       </p:transition>
@@ -2594,13 +2594,13 @@
   <p:clrMapOvr>
     <a:masterClrMapping/>
   </p:clrMapOvr>
-  <mc:AlternateContent xmlns:mc="http://schemas.openxmlformats.org/markup-compatibility/2006">
-    <mc:Choice xmlns:p14="http://schemas.microsoft.com/office/powerpoint/2010/main" Requires="p14">
+  <mc:AlternateContent xmlns:mc="http://schemas.openxmlformats.org/markup-compatibility/2006" xmlns:p14="http://schemas.microsoft.com/office/powerpoint/2010/main">
+    <mc:Choice Requires="p14">
       <p:transition spd="slow">
         <p14:reveal/>
       </p:transition>
     </mc:Choice>
-    <mc:Fallback>
+    <mc:Fallback xmlns="">
       <p:transition spd="slow">
         <p:fade/>
       </p:transition>
@@ -2917,13 +2917,13 @@
   <p:clrMapOvr>
     <a:masterClrMapping/>
   </p:clrMapOvr>
-  <mc:AlternateContent xmlns:mc="http://schemas.openxmlformats.org/markup-compatibility/2006">
-    <mc:Choice xmlns:p14="http://schemas.microsoft.com/office/powerpoint/2010/main" Requires="p14">
+  <mc:AlternateContent xmlns:mc="http://schemas.openxmlformats.org/markup-compatibility/2006" xmlns:p14="http://schemas.microsoft.com/office/powerpoint/2010/main">
+    <mc:Choice Requires="p14">
       <p:transition spd="slow">
         <p14:reveal/>
       </p:transition>
     </mc:Choice>
-    <mc:Fallback>
+    <mc:Fallback xmlns="">
       <p:transition spd="slow">
         <p:fade/>
       </p:transition>
@@ -3217,13 +3217,13 @@
   <p:clrMapOvr>
     <a:masterClrMapping/>
   </p:clrMapOvr>
-  <mc:AlternateContent xmlns:mc="http://schemas.openxmlformats.org/markup-compatibility/2006">
-    <mc:Choice xmlns:p14="http://schemas.microsoft.com/office/powerpoint/2010/main" Requires="p14">
+  <mc:AlternateContent xmlns:mc="http://schemas.openxmlformats.org/markup-compatibility/2006" xmlns:p14="http://schemas.microsoft.com/office/powerpoint/2010/main">
+    <mc:Choice Requires="p14">
       <p:transition spd="slow">
         <p14:reveal/>
       </p:transition>
     </mc:Choice>
-    <mc:Fallback>
+    <mc:Fallback xmlns="">
       <p:transition spd="slow">
         <p:fade/>
       </p:transition>
@@ -3517,13 +3517,13 @@
     <p:sldLayoutId id="2147483658" r:id="rId10"/>
     <p:sldLayoutId id="2147483659" r:id="rId11"/>
   </p:sldLayoutIdLst>
-  <mc:AlternateContent xmlns:mc="http://schemas.openxmlformats.org/markup-compatibility/2006">
-    <mc:Choice xmlns:p14="http://schemas.microsoft.com/office/powerpoint/2010/main" Requires="p14">
+  <mc:AlternateContent xmlns:mc="http://schemas.openxmlformats.org/markup-compatibility/2006" xmlns:p14="http://schemas.microsoft.com/office/powerpoint/2010/main">
+    <mc:Choice Requires="p14">
       <p:transition spd="slow">
         <p14:reveal/>
       </p:transition>
     </mc:Choice>
-    <mc:Fallback>
+    <mc:Fallback xmlns="">
       <p:transition spd="slow">
         <p:fade/>
       </p:transition>
@@ -4510,13 +4510,13 @@
   <p:clrMapOvr>
     <a:masterClrMapping/>
   </p:clrMapOvr>
-  <mc:AlternateContent xmlns:mc="http://schemas.openxmlformats.org/markup-compatibility/2006">
-    <mc:Choice xmlns:p14="http://schemas.microsoft.com/office/powerpoint/2010/main" Requires="p14">
+  <mc:AlternateContent xmlns:mc="http://schemas.openxmlformats.org/markup-compatibility/2006" xmlns:p14="http://schemas.microsoft.com/office/powerpoint/2010/main">
+    <mc:Choice Requires="p14">
       <p:transition spd="slow">
         <p14:reveal/>
       </p:transition>
     </mc:Choice>
-    <mc:Fallback>
+    <mc:Fallback xmlns="">
       <p:transition spd="slow">
         <p:fade/>
       </p:transition>
@@ -5816,13 +5816,13 @@
   <p:clrMapOvr>
     <a:masterClrMapping/>
   </p:clrMapOvr>
-  <mc:AlternateContent xmlns:mc="http://schemas.openxmlformats.org/markup-compatibility/2006">
-    <mc:Choice xmlns:p14="http://schemas.microsoft.com/office/powerpoint/2010/main" Requires="p14">
+  <mc:AlternateContent xmlns:mc="http://schemas.openxmlformats.org/markup-compatibility/2006" xmlns:p14="http://schemas.microsoft.com/office/powerpoint/2010/main">
+    <mc:Choice Requires="p14">
       <p:transition spd="slow">
         <p14:reveal/>
       </p:transition>
     </mc:Choice>
-    <mc:Fallback>
+    <mc:Fallback xmlns="">
       <p:transition spd="slow">
         <p:fade/>
       </p:transition>
@@ -6797,13 +6797,13 @@
   <p:clrMapOvr>
     <a:masterClrMapping/>
   </p:clrMapOvr>
-  <mc:AlternateContent xmlns:mc="http://schemas.openxmlformats.org/markup-compatibility/2006">
-    <mc:Choice xmlns:p14="http://schemas.microsoft.com/office/powerpoint/2010/main" Requires="p14">
+  <mc:AlternateContent xmlns:mc="http://schemas.openxmlformats.org/markup-compatibility/2006" xmlns:p14="http://schemas.microsoft.com/office/powerpoint/2010/main">
+    <mc:Choice Requires="p14">
       <p:transition spd="slow">
         <p14:reveal/>
       </p:transition>
     </mc:Choice>
-    <mc:Fallback>
+    <mc:Fallback xmlns="">
       <p:transition spd="slow">
         <p:fade/>
       </p:transition>
@@ -7617,13 +7617,13 @@
   <p:clrMapOvr>
     <a:masterClrMapping/>
   </p:clrMapOvr>
-  <mc:AlternateContent xmlns:mc="http://schemas.openxmlformats.org/markup-compatibility/2006">
-    <mc:Choice xmlns:p14="http://schemas.microsoft.com/office/powerpoint/2010/main" Requires="p14">
+  <mc:AlternateContent xmlns:mc="http://schemas.openxmlformats.org/markup-compatibility/2006" xmlns:p14="http://schemas.microsoft.com/office/powerpoint/2010/main">
+    <mc:Choice Requires="p14">
       <p:transition spd="slow">
         <p14:reveal/>
       </p:transition>
     </mc:Choice>
-    <mc:Fallback>
+    <mc:Fallback xmlns="">
       <p:transition spd="slow">
         <p:fade/>
       </p:transition>

--- a/oral_projet/diaporama_revue_1_steven.pptx
+++ b/oral_projet/diaporama_revue_1_steven.pptx
@@ -204,7 +204,7 @@
           <a:p>
             <a:fld id="{7BEC4371-174F-4615-858D-8B61BA547698}" type="datetimeFigureOut">
               <a:rPr lang="fr-FR" smtClean="0"/>
-              <a:t>25/01/2018</a:t>
+              <a:t>29/01/2018</a:t>
             </a:fld>
             <a:endParaRPr lang="fr-FR"/>
           </a:p>
@@ -618,7 +618,7 @@
           <a:p>
             <a:fld id="{125942D7-A464-4365-815E-3C7EAFC3F152}" type="datetimeFigureOut">
               <a:rPr lang="fr-FR" smtClean="0"/>
-              <a:t>25/01/2018</a:t>
+              <a:t>29/01/2018</a:t>
             </a:fld>
             <a:endParaRPr lang="fr-FR"/>
           </a:p>
@@ -828,7 +828,7 @@
           <a:p>
             <a:fld id="{125942D7-A464-4365-815E-3C7EAFC3F152}" type="datetimeFigureOut">
               <a:rPr lang="fr-FR" smtClean="0"/>
-              <a:t>25/01/2018</a:t>
+              <a:t>29/01/2018</a:t>
             </a:fld>
             <a:endParaRPr lang="fr-FR"/>
           </a:p>
@@ -1048,7 +1048,7 @@
           <a:p>
             <a:fld id="{125942D7-A464-4365-815E-3C7EAFC3F152}" type="datetimeFigureOut">
               <a:rPr lang="fr-FR" smtClean="0"/>
-              <a:t>25/01/2018</a:t>
+              <a:t>29/01/2018</a:t>
             </a:fld>
             <a:endParaRPr lang="fr-FR"/>
           </a:p>
@@ -1258,7 +1258,7 @@
           <a:p>
             <a:fld id="{125942D7-A464-4365-815E-3C7EAFC3F152}" type="datetimeFigureOut">
               <a:rPr lang="fr-FR" smtClean="0"/>
-              <a:t>25/01/2018</a:t>
+              <a:t>29/01/2018</a:t>
             </a:fld>
             <a:endParaRPr lang="fr-FR"/>
           </a:p>
@@ -1545,7 +1545,7 @@
           <a:p>
             <a:fld id="{125942D7-A464-4365-815E-3C7EAFC3F152}" type="datetimeFigureOut">
               <a:rPr lang="fr-FR" smtClean="0"/>
-              <a:t>25/01/2018</a:t>
+              <a:t>29/01/2018</a:t>
             </a:fld>
             <a:endParaRPr lang="fr-FR"/>
           </a:p>
@@ -1822,7 +1822,7 @@
           <a:p>
             <a:fld id="{125942D7-A464-4365-815E-3C7EAFC3F152}" type="datetimeFigureOut">
               <a:rPr lang="fr-FR" smtClean="0"/>
-              <a:t>25/01/2018</a:t>
+              <a:t>29/01/2018</a:t>
             </a:fld>
             <a:endParaRPr lang="fr-FR"/>
           </a:p>
@@ -2246,7 +2246,7 @@
           <a:p>
             <a:fld id="{125942D7-A464-4365-815E-3C7EAFC3F152}" type="datetimeFigureOut">
               <a:rPr lang="fr-FR" smtClean="0"/>
-              <a:t>25/01/2018</a:t>
+              <a:t>29/01/2018</a:t>
             </a:fld>
             <a:endParaRPr lang="fr-FR"/>
           </a:p>
@@ -2399,7 +2399,7 @@
           <a:p>
             <a:fld id="{125942D7-A464-4365-815E-3C7EAFC3F152}" type="datetimeFigureOut">
               <a:rPr lang="fr-FR" smtClean="0"/>
-              <a:t>25/01/2018</a:t>
+              <a:t>29/01/2018</a:t>
             </a:fld>
             <a:endParaRPr lang="fr-FR"/>
           </a:p>
@@ -2524,7 +2524,7 @@
           <a:p>
             <a:fld id="{125942D7-A464-4365-815E-3C7EAFC3F152}" type="datetimeFigureOut">
               <a:rPr lang="fr-FR" smtClean="0"/>
-              <a:t>25/01/2018</a:t>
+              <a:t>29/01/2018</a:t>
             </a:fld>
             <a:endParaRPr lang="fr-FR"/>
           </a:p>
@@ -2847,7 +2847,7 @@
           <a:p>
             <a:fld id="{125942D7-A464-4365-815E-3C7EAFC3F152}" type="datetimeFigureOut">
               <a:rPr lang="fr-FR" smtClean="0"/>
-              <a:t>25/01/2018</a:t>
+              <a:t>29/01/2018</a:t>
             </a:fld>
             <a:endParaRPr lang="fr-FR"/>
           </a:p>
@@ -3147,7 +3147,7 @@
           <a:p>
             <a:fld id="{125942D7-A464-4365-815E-3C7EAFC3F152}" type="datetimeFigureOut">
               <a:rPr lang="fr-FR" smtClean="0"/>
-              <a:t>25/01/2018</a:t>
+              <a:t>29/01/2018</a:t>
             </a:fld>
             <a:endParaRPr lang="fr-FR"/>
           </a:p>
@@ -3400,7 +3400,7 @@
           <a:p>
             <a:fld id="{125942D7-A464-4365-815E-3C7EAFC3F152}" type="datetimeFigureOut">
               <a:rPr lang="fr-FR" smtClean="0"/>
-              <a:t>25/01/2018</a:t>
+              <a:t>29/01/2018</a:t>
             </a:fld>
             <a:endParaRPr lang="fr-FR"/>
           </a:p>
@@ -5409,7 +5409,7 @@
               <a:rPr lang="fr-FR" i="1" dirty="0">
                 <a:latin typeface="+mj-lt"/>
               </a:rPr>
-              <a:t>Le Groupe Olivier est spécialisé dans la production de tomates et concombres sous serres verre dans la région nantaise.</a:t>
+              <a:t>Le Groupe Olivier est spécialisé dans la production de tomates et de concombres sous serres en verre dans la région nantaise.</a:t>
             </a:r>
           </a:p>
         </p:txBody>

--- a/oral_projet/diaporama_revue_1_steven.pptx
+++ b/oral_projet/diaporama_revue_1_steven.pptx
@@ -5391,7 +5391,7 @@
         <p:spPr>
           <a:xfrm>
             <a:off x="2598862" y="2386341"/>
-            <a:ext cx="6223276" cy="646331"/>
+            <a:ext cx="6223276" cy="923330"/>
           </a:xfrm>
           <a:prstGeom prst="rect">
             <a:avLst/>
@@ -5409,7 +5409,7 @@
               <a:rPr lang="fr-FR" i="1" dirty="0">
                 <a:latin typeface="+mj-lt"/>
               </a:rPr>
-              <a:t>Le Groupe Olivier est spécialisé dans la production de tomates et de concombres sous serres en verre dans la région nantaise.</a:t>
+              <a:t>Le Groupe Olivier est spécialisé dans la production de tomates et de concombres sous serres en verre dans la région nantaise à Haute-Goulaine et Saint-Julien-de-Concelles.</a:t>
             </a:r>
           </a:p>
         </p:txBody>
